--- a/doc/PresentationPPT/PresentationPPT.pptx
+++ b/doc/PresentationPPT/PresentationPPT.pptx
@@ -5,7 +5,7 @@
     <p:sldMasterId id="2147483714" r:id="rId1"/>
   </p:sldMasterIdLst>
   <p:notesMasterIdLst>
-    <p:notesMasterId r:id="rId23"/>
+    <p:notesMasterId r:id="rId22"/>
   </p:notesMasterIdLst>
   <p:sldIdLst>
     <p:sldId id="256" r:id="rId2"/>
@@ -20,15 +20,14 @@
     <p:sldId id="259" r:id="rId11"/>
     <p:sldId id="271" r:id="rId12"/>
     <p:sldId id="266" r:id="rId13"/>
-    <p:sldId id="272" r:id="rId14"/>
-    <p:sldId id="277" r:id="rId15"/>
-    <p:sldId id="275" r:id="rId16"/>
-    <p:sldId id="276" r:id="rId17"/>
-    <p:sldId id="274" r:id="rId18"/>
-    <p:sldId id="267" r:id="rId19"/>
-    <p:sldId id="268" r:id="rId20"/>
-    <p:sldId id="270" r:id="rId21"/>
-    <p:sldId id="269" r:id="rId22"/>
+    <p:sldId id="267" r:id="rId14"/>
+    <p:sldId id="272" r:id="rId15"/>
+    <p:sldId id="277" r:id="rId16"/>
+    <p:sldId id="275" r:id="rId17"/>
+    <p:sldId id="276" r:id="rId18"/>
+    <p:sldId id="268" r:id="rId19"/>
+    <p:sldId id="270" r:id="rId20"/>
+    <p:sldId id="269" r:id="rId21"/>
   </p:sldIdLst>
   <p:sldSz cx="12192000" cy="6858000"/>
   <p:notesSz cx="6858000" cy="9144000"/>
@@ -129,7 +128,7 @@
   </p:defaultTextStyle>
   <p:extLst>
     <p:ext uri="{EFAFB233-063F-42B5-8137-9DF3F51BA10A}">
-      <p15:sldGuideLst xmlns="" xmlns:p15="http://schemas.microsoft.com/office/powerpoint/2012/main">
+      <p15:sldGuideLst xmlns:p15="http://schemas.microsoft.com/office/powerpoint/2012/main" xmlns="">
         <p15:guide id="1" orient="horz" pos="2160">
           <p15:clr>
             <a:srgbClr val="A4A3A4"/>
@@ -561,7 +560,7 @@
           <a:p>
             <a:fld id="{13796CEE-61F1-B245-9239-E0F129986460}" type="slidenum">
               <a:rPr lang="en-US" smtClean="0"/>
-              <a:t>13</a:t>
+              <a:t>14</a:t>
             </a:fld>
             <a:endParaRPr lang="en-US"/>
           </a:p>
@@ -645,7 +644,7 @@
           <a:p>
             <a:fld id="{13796CEE-61F1-B245-9239-E0F129986460}" type="slidenum">
               <a:rPr lang="en-US" smtClean="0"/>
-              <a:t>14</a:t>
+              <a:t>15</a:t>
             </a:fld>
             <a:endParaRPr lang="en-US"/>
           </a:p>
@@ -8785,543 +8784,6 @@
           <a:p>
             <a:r>
               <a:rPr lang="en-US" altLang="zh-HK" dirty="0" smtClean="0"/>
-              <a:t>Use Case</a:t>
-            </a:r>
-            <a:endParaRPr lang="zh-HK" altLang="en-US" dirty="0"/>
-          </a:p>
-        </p:txBody>
-      </p:sp>
-      <p:pic>
-        <p:nvPicPr>
-          <p:cNvPr id="15" name="圖片 1"/>
-          <p:cNvPicPr>
-            <a:picLocks noGrp="1"/>
-          </p:cNvPicPr>
-          <p:nvPr>
-            <p:ph idx="1"/>
-          </p:nvPr>
-        </p:nvPicPr>
-        <p:blipFill>
-          <a:blip r:embed="rId3">
-            <a:extLst>
-              <a:ext uri="{28A0092B-C50C-407E-A947-70E740481C1C}">
-                <a14:useLocalDpi xmlns:a14="http://schemas.microsoft.com/office/drawing/2010/main"/>
-              </a:ext>
-            </a:extLst>
-          </a:blip>
-          <a:srcRect l="-66459" r="-66459"/>
-          <a:stretch>
-            <a:fillRect/>
-          </a:stretch>
-        </p:blipFill>
-        <p:spPr>
-          <a:prstGeom prst="rect">
-            <a:avLst/>
-          </a:prstGeom>
-        </p:spPr>
-      </p:pic>
-    </p:spTree>
-    <p:extLst>
-      <p:ext uri="{BB962C8B-B14F-4D97-AF65-F5344CB8AC3E}">
-        <p14:creationId xmlns:p14="http://schemas.microsoft.com/office/powerpoint/2010/main" val="4120009869"/>
-      </p:ext>
-    </p:extLst>
-  </p:cSld>
-  <p:clrMapOvr>
-    <a:masterClrMapping/>
-  </p:clrMapOvr>
-  <p:timing>
-    <p:tnLst>
-      <p:par>
-        <p:cTn xmlns:p14="http://schemas.microsoft.com/office/powerpoint/2010/main" id="1" dur="indefinite" restart="never" nodeType="tmRoot"/>
-      </p:par>
-    </p:tnLst>
-  </p:timing>
-</p:sld>
-</file>
-
-<file path=ppt/slides/slide14.xml><?xml version="1.0" encoding="utf-8"?>
-<p:sld xmlns:a="http://schemas.openxmlformats.org/drawingml/2006/main" xmlns:r="http://schemas.openxmlformats.org/officeDocument/2006/relationships" xmlns:p="http://schemas.openxmlformats.org/presentationml/2006/main">
-  <p:cSld>
-    <p:spTree>
-      <p:nvGrpSpPr>
-        <p:cNvPr id="1" name=""/>
-        <p:cNvGrpSpPr/>
-        <p:nvPr/>
-      </p:nvGrpSpPr>
-      <p:grpSpPr>
-        <a:xfrm>
-          <a:off x="0" y="0"/>
-          <a:ext cx="0" cy="0"/>
-          <a:chOff x="0" y="0"/>
-          <a:chExt cx="0" cy="0"/>
-        </a:xfrm>
-      </p:grpSpPr>
-      <p:sp>
-        <p:nvSpPr>
-          <p:cNvPr id="2" name="Title 1"/>
-          <p:cNvSpPr>
-            <a:spLocks noGrp="1"/>
-          </p:cNvSpPr>
-          <p:nvPr>
-            <p:ph type="title"/>
-          </p:nvPr>
-        </p:nvSpPr>
-        <p:spPr>
-          <a:xfrm>
-            <a:off x="1295402" y="771117"/>
-            <a:ext cx="9601196" cy="607517"/>
-          </a:xfrm>
-        </p:spPr>
-        <p:txBody>
-          <a:bodyPr>
-            <a:normAutofit fontScale="90000"/>
-          </a:bodyPr>
-          <a:lstStyle/>
-          <a:p>
-            <a:r>
-              <a:rPr lang="en-US" altLang="zh-HK" dirty="0" smtClean="0"/>
-              <a:t>MVC</a:t>
-            </a:r>
-            <a:endParaRPr lang="zh-HK" altLang="en-US" dirty="0"/>
-          </a:p>
-        </p:txBody>
-      </p:sp>
-      <p:pic>
-        <p:nvPicPr>
-          <p:cNvPr id="6" name="Content Placeholder 5" descr="Analysis Diagram.jpg"/>
-          <p:cNvPicPr>
-            <a:picLocks noGrp="1" noChangeAspect="1"/>
-          </p:cNvPicPr>
-          <p:nvPr>
-            <p:ph idx="1"/>
-          </p:nvPr>
-        </p:nvPicPr>
-        <p:blipFill>
-          <a:blip r:embed="rId3">
-            <a:extLst>
-              <a:ext uri="{28A0092B-C50C-407E-A947-70E740481C1C}">
-                <a14:useLocalDpi xmlns:a14="http://schemas.microsoft.com/office/drawing/2010/main" val="0"/>
-              </a:ext>
-            </a:extLst>
-          </a:blip>
-          <a:srcRect l="-8263" r="-8263"/>
-          <a:stretch>
-            <a:fillRect/>
-          </a:stretch>
-        </p:blipFill>
-        <p:spPr>
-          <a:xfrm>
-            <a:off x="98777" y="2609350"/>
-            <a:ext cx="7605765" cy="3586633"/>
-          </a:xfrm>
-        </p:spPr>
-      </p:pic>
-      <p:pic>
-        <p:nvPicPr>
-          <p:cNvPr id="13" name="Picture 12" descr="Screen Shot 2014-12-05 at 7.27.26 am.png"/>
-          <p:cNvPicPr>
-            <a:picLocks noChangeAspect="1"/>
-          </p:cNvPicPr>
-          <p:nvPr/>
-        </p:nvPicPr>
-        <p:blipFill>
-          <a:blip r:embed="rId4">
-            <a:extLst>
-              <a:ext uri="{28A0092B-C50C-407E-A947-70E740481C1C}">
-                <a14:useLocalDpi xmlns:a14="http://schemas.microsoft.com/office/drawing/2010/main" val="0"/>
-              </a:ext>
-            </a:extLst>
-          </a:blip>
-          <a:stretch>
-            <a:fillRect/>
-          </a:stretch>
-        </p:blipFill>
-        <p:spPr>
-          <a:xfrm>
-            <a:off x="6830874" y="4727219"/>
-            <a:ext cx="4720102" cy="1509797"/>
-          </a:xfrm>
-          <a:prstGeom prst="rect">
-            <a:avLst/>
-          </a:prstGeom>
-        </p:spPr>
-      </p:pic>
-    </p:spTree>
-    <p:extLst>
-      <p:ext uri="{BB962C8B-B14F-4D97-AF65-F5344CB8AC3E}">
-        <p14:creationId xmlns:p14="http://schemas.microsoft.com/office/powerpoint/2010/main" val="2898859539"/>
-      </p:ext>
-    </p:extLst>
-  </p:cSld>
-  <p:clrMapOvr>
-    <a:masterClrMapping/>
-  </p:clrMapOvr>
-  <p:timing>
-    <p:tnLst>
-      <p:par>
-        <p:cTn xmlns:p14="http://schemas.microsoft.com/office/powerpoint/2010/main" id="1" dur="indefinite" restart="never" nodeType="tmRoot"/>
-      </p:par>
-    </p:tnLst>
-  </p:timing>
-</p:sld>
-</file>
-
-<file path=ppt/slides/slide15.xml><?xml version="1.0" encoding="utf-8"?>
-<p:sld xmlns:a="http://schemas.openxmlformats.org/drawingml/2006/main" xmlns:r="http://schemas.openxmlformats.org/officeDocument/2006/relationships" xmlns:p="http://schemas.openxmlformats.org/presentationml/2006/main">
-  <p:cSld>
-    <p:spTree>
-      <p:nvGrpSpPr>
-        <p:cNvPr id="1" name=""/>
-        <p:cNvGrpSpPr/>
-        <p:nvPr/>
-      </p:nvGrpSpPr>
-      <p:grpSpPr>
-        <a:xfrm>
-          <a:off x="0" y="0"/>
-          <a:ext cx="0" cy="0"/>
-          <a:chOff x="0" y="0"/>
-          <a:chExt cx="0" cy="0"/>
-        </a:xfrm>
-      </p:grpSpPr>
-      <p:sp>
-        <p:nvSpPr>
-          <p:cNvPr id="2" name="Title 1"/>
-          <p:cNvSpPr>
-            <a:spLocks noGrp="1"/>
-          </p:cNvSpPr>
-          <p:nvPr>
-            <p:ph type="title"/>
-          </p:nvPr>
-        </p:nvSpPr>
-        <p:spPr/>
-        <p:txBody>
-          <a:bodyPr/>
-          <a:lstStyle/>
-          <a:p>
-            <a:r>
-              <a:rPr lang="en-US" dirty="0"/>
-              <a:t>Chain Pattern</a:t>
-            </a:r>
-          </a:p>
-        </p:txBody>
-      </p:sp>
-      <p:pic>
-        <p:nvPicPr>
-          <p:cNvPr id="4" name="Content Placeholder 3" descr="Macintosh HD:Users:Leo:Desktop:Chain.jpg"/>
-          <p:cNvPicPr>
-            <a:picLocks noGrp="1"/>
-          </p:cNvPicPr>
-          <p:nvPr>
-            <p:ph idx="1"/>
-          </p:nvPr>
-        </p:nvPicPr>
-        <p:blipFill>
-          <a:blip r:embed="rId2">
-            <a:extLst>
-              <a:ext uri="{28A0092B-C50C-407E-A947-70E740481C1C}">
-                <a14:useLocalDpi xmlns:a14="http://schemas.microsoft.com/office/drawing/2010/main" val="0"/>
-              </a:ext>
-            </a:extLst>
-          </a:blip>
-          <a:srcRect l="2105" r="2105"/>
-          <a:stretch>
-            <a:fillRect/>
-          </a:stretch>
-        </p:blipFill>
-        <p:spPr bwMode="auto">
-          <a:xfrm>
-            <a:off x="1295401" y="2556933"/>
-            <a:ext cx="4764365" cy="3117226"/>
-          </a:xfrm>
-          <a:prstGeom prst="rect">
-            <a:avLst/>
-          </a:prstGeom>
-          <a:noFill/>
-          <a:ln>
-            <a:noFill/>
-          </a:ln>
-        </p:spPr>
-      </p:pic>
-      <p:pic>
-        <p:nvPicPr>
-          <p:cNvPr id="5" name="Picture 4" descr="Macintosh HD:Users:Leo:Desktop:diagram:ChainClass.jpg"/>
-          <p:cNvPicPr/>
-          <p:nvPr/>
-        </p:nvPicPr>
-        <p:blipFill rotWithShape="1">
-          <a:blip r:embed="rId3">
-            <a:extLst>
-              <a:ext uri="{28A0092B-C50C-407E-A947-70E740481C1C}">
-                <a14:useLocalDpi xmlns:a14="http://schemas.microsoft.com/office/drawing/2010/main" val="0"/>
-              </a:ext>
-            </a:extLst>
-          </a:blip>
-          <a:srcRect b="13063"/>
-          <a:stretch/>
-        </p:blipFill>
-        <p:spPr bwMode="auto">
-          <a:xfrm>
-            <a:off x="6730295" y="3050254"/>
-            <a:ext cx="4114800" cy="2193290"/>
-          </a:xfrm>
-          <a:prstGeom prst="rect">
-            <a:avLst/>
-          </a:prstGeom>
-          <a:noFill/>
-          <a:ln>
-            <a:noFill/>
-          </a:ln>
-          <a:extLst>
-            <a:ext uri="{53640926-AAD7-44d8-BBD7-CCE9431645EC}">
-              <a14:shadowObscured xmlns:a14="http://schemas.microsoft.com/office/drawing/2010/main"/>
-            </a:ext>
-          </a:extLst>
-        </p:spPr>
-      </p:pic>
-    </p:spTree>
-    <p:extLst>
-      <p:ext uri="{BB962C8B-B14F-4D97-AF65-F5344CB8AC3E}">
-        <p14:creationId xmlns:p14="http://schemas.microsoft.com/office/powerpoint/2010/main" val="3441522166"/>
-      </p:ext>
-    </p:extLst>
-  </p:cSld>
-  <p:clrMapOvr>
-    <a:masterClrMapping/>
-  </p:clrMapOvr>
-  <p:timing>
-    <p:tnLst>
-      <p:par>
-        <p:cTn xmlns:p14="http://schemas.microsoft.com/office/powerpoint/2010/main" id="1" dur="indefinite" restart="never" nodeType="tmRoot"/>
-      </p:par>
-    </p:tnLst>
-  </p:timing>
-</p:sld>
-</file>
-
-<file path=ppt/slides/slide16.xml><?xml version="1.0" encoding="utf-8"?>
-<p:sld xmlns:a="http://schemas.openxmlformats.org/drawingml/2006/main" xmlns:r="http://schemas.openxmlformats.org/officeDocument/2006/relationships" xmlns:p="http://schemas.openxmlformats.org/presentationml/2006/main">
-  <p:cSld>
-    <p:spTree>
-      <p:nvGrpSpPr>
-        <p:cNvPr id="1" name=""/>
-        <p:cNvGrpSpPr/>
-        <p:nvPr/>
-      </p:nvGrpSpPr>
-      <p:grpSpPr>
-        <a:xfrm>
-          <a:off x="0" y="0"/>
-          <a:ext cx="0" cy="0"/>
-          <a:chOff x="0" y="0"/>
-          <a:chExt cx="0" cy="0"/>
-        </a:xfrm>
-      </p:grpSpPr>
-      <p:sp>
-        <p:nvSpPr>
-          <p:cNvPr id="2" name="Title 1"/>
-          <p:cNvSpPr>
-            <a:spLocks noGrp="1"/>
-          </p:cNvSpPr>
-          <p:nvPr>
-            <p:ph type="title"/>
-          </p:nvPr>
-        </p:nvSpPr>
-        <p:spPr/>
-        <p:txBody>
-          <a:bodyPr/>
-          <a:lstStyle/>
-          <a:p>
-            <a:r>
-              <a:rPr lang="en-US" dirty="0"/>
-              <a:t>Singleton Pattern</a:t>
-            </a:r>
-          </a:p>
-        </p:txBody>
-      </p:sp>
-      <p:pic>
-        <p:nvPicPr>
-          <p:cNvPr id="4" name="Content Placeholder 3" descr="Macintosh HD:Users:Leo:Desktop:Session.jpg"/>
-          <p:cNvPicPr>
-            <a:picLocks noGrp="1"/>
-          </p:cNvPicPr>
-          <p:nvPr>
-            <p:ph idx="1"/>
-          </p:nvPr>
-        </p:nvPicPr>
-        <p:blipFill>
-          <a:blip r:embed="rId2">
-            <a:extLst>
-              <a:ext uri="{28A0092B-C50C-407E-A947-70E740481C1C}">
-                <a14:useLocalDpi xmlns:a14="http://schemas.microsoft.com/office/drawing/2010/main" val="0"/>
-              </a:ext>
-            </a:extLst>
-          </a:blip>
-          <a:srcRect l="-36255" r="-36255"/>
-          <a:stretch>
-            <a:fillRect/>
-          </a:stretch>
-        </p:blipFill>
-        <p:spPr bwMode="auto">
-          <a:prstGeom prst="rect">
-            <a:avLst/>
-          </a:prstGeom>
-          <a:noFill/>
-          <a:ln>
-            <a:noFill/>
-          </a:ln>
-        </p:spPr>
-      </p:pic>
-    </p:spTree>
-    <p:extLst>
-      <p:ext uri="{BB962C8B-B14F-4D97-AF65-F5344CB8AC3E}">
-        <p14:creationId xmlns:p14="http://schemas.microsoft.com/office/powerpoint/2010/main" val="2867086043"/>
-      </p:ext>
-    </p:extLst>
-  </p:cSld>
-  <p:clrMapOvr>
-    <a:masterClrMapping/>
-  </p:clrMapOvr>
-</p:sld>
-</file>
-
-<file path=ppt/slides/slide17.xml><?xml version="1.0" encoding="utf-8"?>
-<p:sld xmlns:a="http://schemas.openxmlformats.org/drawingml/2006/main" xmlns:r="http://schemas.openxmlformats.org/officeDocument/2006/relationships" xmlns:p="http://schemas.openxmlformats.org/presentationml/2006/main">
-  <p:cSld>
-    <p:spTree>
-      <p:nvGrpSpPr>
-        <p:cNvPr id="1" name=""/>
-        <p:cNvGrpSpPr/>
-        <p:nvPr/>
-      </p:nvGrpSpPr>
-      <p:grpSpPr>
-        <a:xfrm>
-          <a:off x="0" y="0"/>
-          <a:ext cx="0" cy="0"/>
-          <a:chOff x="0" y="0"/>
-          <a:chExt cx="0" cy="0"/>
-        </a:xfrm>
-      </p:grpSpPr>
-      <p:sp>
-        <p:nvSpPr>
-          <p:cNvPr id="2" name="Title 1"/>
-          <p:cNvSpPr>
-            <a:spLocks noGrp="1"/>
-          </p:cNvSpPr>
-          <p:nvPr>
-            <p:ph type="title"/>
-          </p:nvPr>
-        </p:nvSpPr>
-        <p:spPr>
-          <a:xfrm>
-            <a:off x="1295402" y="771117"/>
-            <a:ext cx="9601196" cy="607517"/>
-          </a:xfrm>
-        </p:spPr>
-        <p:txBody>
-          <a:bodyPr>
-            <a:normAutofit fontScale="90000"/>
-          </a:bodyPr>
-          <a:lstStyle/>
-          <a:p>
-            <a:r>
-              <a:rPr lang="en-US" altLang="zh-HK" dirty="0" smtClean="0"/>
-              <a:t>MVC</a:t>
-            </a:r>
-            <a:endParaRPr lang="zh-HK" altLang="en-US" dirty="0"/>
-          </a:p>
-        </p:txBody>
-      </p:sp>
-      <p:pic>
-        <p:nvPicPr>
-          <p:cNvPr id="6" name="Content Placeholder 5" descr="Analysis Diagram.jpg"/>
-          <p:cNvPicPr>
-            <a:picLocks noGrp="1" noChangeAspect="1"/>
-          </p:cNvPicPr>
-          <p:nvPr>
-            <p:ph idx="1"/>
-          </p:nvPr>
-        </p:nvPicPr>
-        <p:blipFill>
-          <a:blip r:embed="rId2">
-            <a:extLst>
-              <a:ext uri="{28A0092B-C50C-407E-A947-70E740481C1C}">
-                <a14:useLocalDpi xmlns:a14="http://schemas.microsoft.com/office/drawing/2010/main" val="0"/>
-              </a:ext>
-            </a:extLst>
-          </a:blip>
-          <a:srcRect l="-8263" r="-8263"/>
-          <a:stretch>
-            <a:fillRect/>
-          </a:stretch>
-        </p:blipFill>
-        <p:spPr>
-          <a:xfrm>
-            <a:off x="1295400" y="1377950"/>
-            <a:ext cx="10106025" cy="4765675"/>
-          </a:xfrm>
-        </p:spPr>
-      </p:pic>
-    </p:spTree>
-    <p:extLst>
-      <p:ext uri="{BB962C8B-B14F-4D97-AF65-F5344CB8AC3E}">
-        <p14:creationId xmlns:p14="http://schemas.microsoft.com/office/powerpoint/2010/main" val="1730425251"/>
-      </p:ext>
-    </p:extLst>
-  </p:cSld>
-  <p:clrMapOvr>
-    <a:masterClrMapping/>
-  </p:clrMapOvr>
-  <p:timing>
-    <p:tnLst>
-      <p:par>
-        <p:cTn xmlns:p14="http://schemas.microsoft.com/office/powerpoint/2010/main" id="1" dur="indefinite" restart="never" nodeType="tmRoot"/>
-      </p:par>
-    </p:tnLst>
-  </p:timing>
-</p:sld>
-</file>
-
-<file path=ppt/slides/slide18.xml><?xml version="1.0" encoding="utf-8"?>
-<p:sld xmlns:a="http://schemas.openxmlformats.org/drawingml/2006/main" xmlns:r="http://schemas.openxmlformats.org/officeDocument/2006/relationships" xmlns:p="http://schemas.openxmlformats.org/presentationml/2006/main">
-  <p:cSld>
-    <p:spTree>
-      <p:nvGrpSpPr>
-        <p:cNvPr id="1" name=""/>
-        <p:cNvGrpSpPr/>
-        <p:nvPr/>
-      </p:nvGrpSpPr>
-      <p:grpSpPr>
-        <a:xfrm>
-          <a:off x="0" y="0"/>
-          <a:ext cx="0" cy="0"/>
-          <a:chOff x="0" y="0"/>
-          <a:chExt cx="0" cy="0"/>
-        </a:xfrm>
-      </p:grpSpPr>
-      <p:sp>
-        <p:nvSpPr>
-          <p:cNvPr id="2" name="Title 1"/>
-          <p:cNvSpPr>
-            <a:spLocks noGrp="1"/>
-          </p:cNvSpPr>
-          <p:nvPr>
-            <p:ph type="title"/>
-          </p:nvPr>
-        </p:nvSpPr>
-        <p:spPr>
-          <a:xfrm>
-            <a:off x="1295402" y="771117"/>
-            <a:ext cx="9601196" cy="607517"/>
-          </a:xfrm>
-        </p:spPr>
-        <p:txBody>
-          <a:bodyPr>
-            <a:normAutofit fontScale="90000"/>
-          </a:bodyPr>
-          <a:lstStyle/>
-          <a:p>
-            <a:r>
-              <a:rPr lang="en-US" altLang="zh-HK" dirty="0" smtClean="0"/>
               <a:t>Refactoring</a:t>
             </a:r>
             <a:endParaRPr lang="zh-HK" altLang="en-US" dirty="0"/>
@@ -9731,7 +9193,447 @@
 </p:sld>
 </file>
 
-<file path=ppt/slides/slide19.xml><?xml version="1.0" encoding="utf-8"?>
+<file path=ppt/slides/slide14.xml><?xml version="1.0" encoding="utf-8"?>
+<p:sld xmlns:a="http://schemas.openxmlformats.org/drawingml/2006/main" xmlns:r="http://schemas.openxmlformats.org/officeDocument/2006/relationships" xmlns:p="http://schemas.openxmlformats.org/presentationml/2006/main">
+  <p:cSld>
+    <p:spTree>
+      <p:nvGrpSpPr>
+        <p:cNvPr id="1" name=""/>
+        <p:cNvGrpSpPr/>
+        <p:nvPr/>
+      </p:nvGrpSpPr>
+      <p:grpSpPr>
+        <a:xfrm>
+          <a:off x="0" y="0"/>
+          <a:ext cx="0" cy="0"/>
+          <a:chOff x="0" y="0"/>
+          <a:chExt cx="0" cy="0"/>
+        </a:xfrm>
+      </p:grpSpPr>
+      <p:sp>
+        <p:nvSpPr>
+          <p:cNvPr id="2" name="Title 1"/>
+          <p:cNvSpPr>
+            <a:spLocks noGrp="1"/>
+          </p:cNvSpPr>
+          <p:nvPr>
+            <p:ph type="title"/>
+          </p:nvPr>
+        </p:nvSpPr>
+        <p:spPr>
+          <a:xfrm>
+            <a:off x="1295402" y="771117"/>
+            <a:ext cx="9601196" cy="607517"/>
+          </a:xfrm>
+        </p:spPr>
+        <p:txBody>
+          <a:bodyPr>
+            <a:normAutofit fontScale="90000"/>
+          </a:bodyPr>
+          <a:lstStyle/>
+          <a:p>
+            <a:r>
+              <a:rPr lang="en-US" altLang="zh-HK" dirty="0" smtClean="0"/>
+              <a:t>Use Case</a:t>
+            </a:r>
+            <a:endParaRPr lang="zh-HK" altLang="en-US" dirty="0"/>
+          </a:p>
+        </p:txBody>
+      </p:sp>
+      <p:pic>
+        <p:nvPicPr>
+          <p:cNvPr id="15" name="圖片 1"/>
+          <p:cNvPicPr>
+            <a:picLocks noGrp="1"/>
+          </p:cNvPicPr>
+          <p:nvPr>
+            <p:ph idx="1"/>
+          </p:nvPr>
+        </p:nvPicPr>
+        <p:blipFill>
+          <a:blip r:embed="rId3">
+            <a:extLst>
+              <a:ext uri="{28A0092B-C50C-407E-A947-70E740481C1C}">
+                <a14:useLocalDpi xmlns:a14="http://schemas.microsoft.com/office/drawing/2010/main"/>
+              </a:ext>
+            </a:extLst>
+          </a:blip>
+          <a:srcRect l="-66459" r="-66459"/>
+          <a:stretch>
+            <a:fillRect/>
+          </a:stretch>
+        </p:blipFill>
+        <p:spPr>
+          <a:prstGeom prst="rect">
+            <a:avLst/>
+          </a:prstGeom>
+        </p:spPr>
+      </p:pic>
+    </p:spTree>
+    <p:extLst>
+      <p:ext uri="{BB962C8B-B14F-4D97-AF65-F5344CB8AC3E}">
+        <p14:creationId xmlns:p14="http://schemas.microsoft.com/office/powerpoint/2010/main" val="4120009869"/>
+      </p:ext>
+    </p:extLst>
+  </p:cSld>
+  <p:clrMapOvr>
+    <a:masterClrMapping/>
+  </p:clrMapOvr>
+  <p:timing>
+    <p:tnLst>
+      <p:par>
+        <p:cTn xmlns:p14="http://schemas.microsoft.com/office/powerpoint/2010/main" id="1" dur="indefinite" restart="never" nodeType="tmRoot"/>
+      </p:par>
+    </p:tnLst>
+  </p:timing>
+</p:sld>
+</file>
+
+<file path=ppt/slides/slide15.xml><?xml version="1.0" encoding="utf-8"?>
+<p:sld xmlns:a="http://schemas.openxmlformats.org/drawingml/2006/main" xmlns:r="http://schemas.openxmlformats.org/officeDocument/2006/relationships" xmlns:p="http://schemas.openxmlformats.org/presentationml/2006/main">
+  <p:cSld>
+    <p:spTree>
+      <p:nvGrpSpPr>
+        <p:cNvPr id="1" name=""/>
+        <p:cNvGrpSpPr/>
+        <p:nvPr/>
+      </p:nvGrpSpPr>
+      <p:grpSpPr>
+        <a:xfrm>
+          <a:off x="0" y="0"/>
+          <a:ext cx="0" cy="0"/>
+          <a:chOff x="0" y="0"/>
+          <a:chExt cx="0" cy="0"/>
+        </a:xfrm>
+      </p:grpSpPr>
+      <p:sp>
+        <p:nvSpPr>
+          <p:cNvPr id="2" name="Title 1"/>
+          <p:cNvSpPr>
+            <a:spLocks noGrp="1"/>
+          </p:cNvSpPr>
+          <p:nvPr>
+            <p:ph type="title"/>
+          </p:nvPr>
+        </p:nvSpPr>
+        <p:spPr>
+          <a:xfrm>
+            <a:off x="1295402" y="771117"/>
+            <a:ext cx="9601196" cy="607517"/>
+          </a:xfrm>
+        </p:spPr>
+        <p:txBody>
+          <a:bodyPr>
+            <a:normAutofit fontScale="90000"/>
+          </a:bodyPr>
+          <a:lstStyle/>
+          <a:p>
+            <a:r>
+              <a:rPr lang="en-US" altLang="zh-HK" dirty="0" smtClean="0"/>
+              <a:t>MVC</a:t>
+            </a:r>
+            <a:endParaRPr lang="zh-HK" altLang="en-US" dirty="0"/>
+          </a:p>
+        </p:txBody>
+      </p:sp>
+      <p:pic>
+        <p:nvPicPr>
+          <p:cNvPr id="6" name="Content Placeholder 5" descr="Analysis Diagram.jpg"/>
+          <p:cNvPicPr>
+            <a:picLocks noGrp="1" noChangeAspect="1"/>
+          </p:cNvPicPr>
+          <p:nvPr>
+            <p:ph idx="1"/>
+          </p:nvPr>
+        </p:nvPicPr>
+        <p:blipFill>
+          <a:blip r:embed="rId3">
+            <a:extLst>
+              <a:ext uri="{28A0092B-C50C-407E-A947-70E740481C1C}">
+                <a14:useLocalDpi xmlns:a14="http://schemas.microsoft.com/office/drawing/2010/main" val="0"/>
+              </a:ext>
+            </a:extLst>
+          </a:blip>
+          <a:srcRect l="-8263" r="-8263"/>
+          <a:stretch>
+            <a:fillRect/>
+          </a:stretch>
+        </p:blipFill>
+        <p:spPr>
+          <a:xfrm>
+            <a:off x="98777" y="2609350"/>
+            <a:ext cx="7605765" cy="3586633"/>
+          </a:xfrm>
+        </p:spPr>
+      </p:pic>
+      <p:pic>
+        <p:nvPicPr>
+          <p:cNvPr id="13" name="Picture 12" descr="Screen Shot 2014-12-05 at 7.27.26 am.png"/>
+          <p:cNvPicPr>
+            <a:picLocks noChangeAspect="1"/>
+          </p:cNvPicPr>
+          <p:nvPr/>
+        </p:nvPicPr>
+        <p:blipFill>
+          <a:blip r:embed="rId4">
+            <a:extLst>
+              <a:ext uri="{28A0092B-C50C-407E-A947-70E740481C1C}">
+                <a14:useLocalDpi xmlns:a14="http://schemas.microsoft.com/office/drawing/2010/main" val="0"/>
+              </a:ext>
+            </a:extLst>
+          </a:blip>
+          <a:stretch>
+            <a:fillRect/>
+          </a:stretch>
+        </p:blipFill>
+        <p:spPr>
+          <a:xfrm>
+            <a:off x="6830874" y="4727219"/>
+            <a:ext cx="4720102" cy="1509797"/>
+          </a:xfrm>
+          <a:prstGeom prst="rect">
+            <a:avLst/>
+          </a:prstGeom>
+        </p:spPr>
+      </p:pic>
+    </p:spTree>
+    <p:extLst>
+      <p:ext uri="{BB962C8B-B14F-4D97-AF65-F5344CB8AC3E}">
+        <p14:creationId xmlns:p14="http://schemas.microsoft.com/office/powerpoint/2010/main" val="2898859539"/>
+      </p:ext>
+    </p:extLst>
+  </p:cSld>
+  <p:clrMapOvr>
+    <a:masterClrMapping/>
+  </p:clrMapOvr>
+  <p:timing>
+    <p:tnLst>
+      <p:par>
+        <p:cTn xmlns:p14="http://schemas.microsoft.com/office/powerpoint/2010/main" id="1" dur="indefinite" restart="never" nodeType="tmRoot"/>
+      </p:par>
+    </p:tnLst>
+  </p:timing>
+</p:sld>
+</file>
+
+<file path=ppt/slides/slide16.xml><?xml version="1.0" encoding="utf-8"?>
+<p:sld xmlns:a="http://schemas.openxmlformats.org/drawingml/2006/main" xmlns:r="http://schemas.openxmlformats.org/officeDocument/2006/relationships" xmlns:p="http://schemas.openxmlformats.org/presentationml/2006/main">
+  <p:cSld>
+    <p:spTree>
+      <p:nvGrpSpPr>
+        <p:cNvPr id="1" name=""/>
+        <p:cNvGrpSpPr/>
+        <p:nvPr/>
+      </p:nvGrpSpPr>
+      <p:grpSpPr>
+        <a:xfrm>
+          <a:off x="0" y="0"/>
+          <a:ext cx="0" cy="0"/>
+          <a:chOff x="0" y="0"/>
+          <a:chExt cx="0" cy="0"/>
+        </a:xfrm>
+      </p:grpSpPr>
+      <p:sp>
+        <p:nvSpPr>
+          <p:cNvPr id="2" name="Title 1"/>
+          <p:cNvSpPr>
+            <a:spLocks noGrp="1"/>
+          </p:cNvSpPr>
+          <p:nvPr>
+            <p:ph type="title"/>
+          </p:nvPr>
+        </p:nvSpPr>
+        <p:spPr/>
+        <p:txBody>
+          <a:bodyPr/>
+          <a:lstStyle/>
+          <a:p>
+            <a:r>
+              <a:rPr lang="en-US" dirty="0"/>
+              <a:t>Chain Pattern</a:t>
+            </a:r>
+          </a:p>
+        </p:txBody>
+      </p:sp>
+      <p:pic>
+        <p:nvPicPr>
+          <p:cNvPr id="4" name="Content Placeholder 3" descr="Macintosh HD:Users:Leo:Desktop:Chain.jpg"/>
+          <p:cNvPicPr>
+            <a:picLocks noGrp="1"/>
+          </p:cNvPicPr>
+          <p:nvPr>
+            <p:ph idx="1"/>
+          </p:nvPr>
+        </p:nvPicPr>
+        <p:blipFill>
+          <a:blip r:embed="rId2">
+            <a:extLst>
+              <a:ext uri="{28A0092B-C50C-407E-A947-70E740481C1C}">
+                <a14:useLocalDpi xmlns:a14="http://schemas.microsoft.com/office/drawing/2010/main" val="0"/>
+              </a:ext>
+            </a:extLst>
+          </a:blip>
+          <a:srcRect l="2105" r="2105"/>
+          <a:stretch>
+            <a:fillRect/>
+          </a:stretch>
+        </p:blipFill>
+        <p:spPr bwMode="auto">
+          <a:xfrm>
+            <a:off x="1295401" y="2556933"/>
+            <a:ext cx="4764365" cy="3117226"/>
+          </a:xfrm>
+          <a:prstGeom prst="rect">
+            <a:avLst/>
+          </a:prstGeom>
+          <a:noFill/>
+          <a:ln>
+            <a:noFill/>
+          </a:ln>
+        </p:spPr>
+      </p:pic>
+      <p:pic>
+        <p:nvPicPr>
+          <p:cNvPr id="5" name="Picture 4" descr="Macintosh HD:Users:Leo:Desktop:diagram:ChainClass.jpg"/>
+          <p:cNvPicPr/>
+          <p:nvPr/>
+        </p:nvPicPr>
+        <p:blipFill rotWithShape="1">
+          <a:blip r:embed="rId3">
+            <a:extLst>
+              <a:ext uri="{28A0092B-C50C-407E-A947-70E740481C1C}">
+                <a14:useLocalDpi xmlns:a14="http://schemas.microsoft.com/office/drawing/2010/main" val="0"/>
+              </a:ext>
+            </a:extLst>
+          </a:blip>
+          <a:srcRect b="13063"/>
+          <a:stretch/>
+        </p:blipFill>
+        <p:spPr bwMode="auto">
+          <a:xfrm>
+            <a:off x="6730295" y="3050254"/>
+            <a:ext cx="4114800" cy="2193290"/>
+          </a:xfrm>
+          <a:prstGeom prst="rect">
+            <a:avLst/>
+          </a:prstGeom>
+          <a:noFill/>
+          <a:ln>
+            <a:noFill/>
+          </a:ln>
+          <a:extLst>
+            <a:ext uri="{53640926-AAD7-44d8-BBD7-CCE9431645EC}">
+              <a14:shadowObscured xmlns:a14="http://schemas.microsoft.com/office/drawing/2010/main"/>
+            </a:ext>
+          </a:extLst>
+        </p:spPr>
+      </p:pic>
+    </p:spTree>
+    <p:extLst>
+      <p:ext uri="{BB962C8B-B14F-4D97-AF65-F5344CB8AC3E}">
+        <p14:creationId xmlns:p14="http://schemas.microsoft.com/office/powerpoint/2010/main" val="3441522166"/>
+      </p:ext>
+    </p:extLst>
+  </p:cSld>
+  <p:clrMapOvr>
+    <a:masterClrMapping/>
+  </p:clrMapOvr>
+  <p:timing>
+    <p:tnLst>
+      <p:par>
+        <p:cTn xmlns:p14="http://schemas.microsoft.com/office/powerpoint/2010/main" id="1" dur="indefinite" restart="never" nodeType="tmRoot"/>
+      </p:par>
+    </p:tnLst>
+  </p:timing>
+</p:sld>
+</file>
+
+<file path=ppt/slides/slide17.xml><?xml version="1.0" encoding="utf-8"?>
+<p:sld xmlns:a="http://schemas.openxmlformats.org/drawingml/2006/main" xmlns:r="http://schemas.openxmlformats.org/officeDocument/2006/relationships" xmlns:p="http://schemas.openxmlformats.org/presentationml/2006/main">
+  <p:cSld>
+    <p:spTree>
+      <p:nvGrpSpPr>
+        <p:cNvPr id="1" name=""/>
+        <p:cNvGrpSpPr/>
+        <p:nvPr/>
+      </p:nvGrpSpPr>
+      <p:grpSpPr>
+        <a:xfrm>
+          <a:off x="0" y="0"/>
+          <a:ext cx="0" cy="0"/>
+          <a:chOff x="0" y="0"/>
+          <a:chExt cx="0" cy="0"/>
+        </a:xfrm>
+      </p:grpSpPr>
+      <p:sp>
+        <p:nvSpPr>
+          <p:cNvPr id="2" name="Title 1"/>
+          <p:cNvSpPr>
+            <a:spLocks noGrp="1"/>
+          </p:cNvSpPr>
+          <p:nvPr>
+            <p:ph type="title"/>
+          </p:nvPr>
+        </p:nvSpPr>
+        <p:spPr/>
+        <p:txBody>
+          <a:bodyPr/>
+          <a:lstStyle/>
+          <a:p>
+            <a:r>
+              <a:rPr lang="en-US" dirty="0"/>
+              <a:t>Singleton Pattern</a:t>
+            </a:r>
+          </a:p>
+        </p:txBody>
+      </p:sp>
+      <p:pic>
+        <p:nvPicPr>
+          <p:cNvPr id="4" name="Content Placeholder 3" descr="Macintosh HD:Users:Leo:Desktop:Session.jpg"/>
+          <p:cNvPicPr>
+            <a:picLocks noGrp="1"/>
+          </p:cNvPicPr>
+          <p:nvPr>
+            <p:ph idx="1"/>
+          </p:nvPr>
+        </p:nvPicPr>
+        <p:blipFill>
+          <a:blip r:embed="rId2">
+            <a:extLst>
+              <a:ext uri="{28A0092B-C50C-407E-A947-70E740481C1C}">
+                <a14:useLocalDpi xmlns:a14="http://schemas.microsoft.com/office/drawing/2010/main" val="0"/>
+              </a:ext>
+            </a:extLst>
+          </a:blip>
+          <a:srcRect l="-36255" r="-36255"/>
+          <a:stretch>
+            <a:fillRect/>
+          </a:stretch>
+        </p:blipFill>
+        <p:spPr bwMode="auto">
+          <a:prstGeom prst="rect">
+            <a:avLst/>
+          </a:prstGeom>
+          <a:noFill/>
+          <a:ln>
+            <a:noFill/>
+          </a:ln>
+        </p:spPr>
+      </p:pic>
+    </p:spTree>
+    <p:extLst>
+      <p:ext uri="{BB962C8B-B14F-4D97-AF65-F5344CB8AC3E}">
+        <p14:creationId xmlns:p14="http://schemas.microsoft.com/office/powerpoint/2010/main" val="2867086043"/>
+      </p:ext>
+    </p:extLst>
+  </p:cSld>
+  <p:clrMapOvr>
+    <a:masterClrMapping/>
+  </p:clrMapOvr>
+</p:sld>
+</file>
+
+<file path=ppt/slides/slide18.xml><?xml version="1.0" encoding="utf-8"?>
 <p:sld xmlns:a="http://schemas.openxmlformats.org/drawingml/2006/main" xmlns:r="http://schemas.openxmlformats.org/officeDocument/2006/relationships" xmlns:p="http://schemas.openxmlformats.org/presentationml/2006/main">
   <p:cSld>
     <p:spTree>
@@ -9824,147 +9726,7 @@
 </p:sld>
 </file>
 
-<file path=ppt/slides/slide2.xml><?xml version="1.0" encoding="utf-8"?>
-<p:sld xmlns:a="http://schemas.openxmlformats.org/drawingml/2006/main" xmlns:r="http://schemas.openxmlformats.org/officeDocument/2006/relationships" xmlns:p="http://schemas.openxmlformats.org/presentationml/2006/main">
-  <p:cSld>
-    <p:spTree>
-      <p:nvGrpSpPr>
-        <p:cNvPr id="1" name=""/>
-        <p:cNvGrpSpPr/>
-        <p:nvPr/>
-      </p:nvGrpSpPr>
-      <p:grpSpPr>
-        <a:xfrm>
-          <a:off x="0" y="0"/>
-          <a:ext cx="0" cy="0"/>
-          <a:chOff x="0" y="0"/>
-          <a:chExt cx="0" cy="0"/>
-        </a:xfrm>
-      </p:grpSpPr>
-      <p:sp>
-        <p:nvSpPr>
-          <p:cNvPr id="2" name="Title 1"/>
-          <p:cNvSpPr>
-            <a:spLocks noGrp="1"/>
-          </p:cNvSpPr>
-          <p:nvPr>
-            <p:ph type="title"/>
-          </p:nvPr>
-        </p:nvSpPr>
-        <p:spPr/>
-        <p:txBody>
-          <a:bodyPr/>
-          <a:lstStyle/>
-          <a:p>
-            <a:r>
-              <a:rPr lang="en-US" altLang="zh-HK" dirty="0" smtClean="0"/>
-              <a:t>Project Background</a:t>
-            </a:r>
-            <a:endParaRPr lang="zh-HK" altLang="en-US" dirty="0"/>
-          </a:p>
-        </p:txBody>
-      </p:sp>
-      <p:sp>
-        <p:nvSpPr>
-          <p:cNvPr id="3" name="Content Placeholder 2"/>
-          <p:cNvSpPr>
-            <a:spLocks noGrp="1"/>
-          </p:cNvSpPr>
-          <p:nvPr>
-            <p:ph idx="1"/>
-          </p:nvPr>
-        </p:nvSpPr>
-        <p:spPr>
-          <a:xfrm>
-            <a:off x="1295401" y="2556932"/>
-            <a:ext cx="9601196" cy="3638128"/>
-          </a:xfrm>
-        </p:spPr>
-        <p:txBody>
-          <a:bodyPr>
-            <a:normAutofit lnSpcReduction="10000"/>
-          </a:bodyPr>
-          <a:lstStyle/>
-          <a:p>
-            <a:r>
-              <a:rPr lang="en-US" altLang="zh-HK" dirty="0" smtClean="0"/>
-              <a:t>Topic: Airline Ticket Ordering System</a:t>
-            </a:r>
-          </a:p>
-          <a:p>
-            <a:r>
-              <a:rPr lang="en-US" altLang="zh-HK" dirty="0" smtClean="0"/>
-              <a:t>Implementation:</a:t>
-            </a:r>
-          </a:p>
-          <a:p>
-            <a:pPr lvl="1"/>
-            <a:r>
-              <a:rPr lang="en-US" altLang="zh-HK" dirty="0" smtClean="0"/>
-              <a:t>To purchase the airline ticket</a:t>
-            </a:r>
-          </a:p>
-          <a:p>
-            <a:r>
-              <a:rPr lang="en-US" altLang="zh-HK" dirty="0" smtClean="0"/>
-              <a:t>Extension functions</a:t>
-            </a:r>
-          </a:p>
-          <a:p>
-            <a:pPr lvl="1"/>
-            <a:r>
-              <a:rPr lang="en-US" altLang="zh-HK" dirty="0" smtClean="0"/>
-              <a:t>Path finding for different routes of the flights</a:t>
-            </a:r>
-          </a:p>
-          <a:p>
-            <a:pPr lvl="1"/>
-            <a:r>
-              <a:rPr lang="en-US" altLang="zh-HK" dirty="0" smtClean="0"/>
-              <a:t>Flyer miles calculation</a:t>
-            </a:r>
-          </a:p>
-          <a:p>
-            <a:pPr lvl="1"/>
-            <a:r>
-              <a:rPr lang="en-US" altLang="zh-HK" dirty="0" smtClean="0"/>
-              <a:t>Additional baggage fees calculation</a:t>
-            </a:r>
-          </a:p>
-          <a:p>
-            <a:pPr lvl="1"/>
-            <a:r>
-              <a:rPr lang="en-US" altLang="zh-HK" dirty="0" smtClean="0"/>
-              <a:t>Credit card discount for different airline company</a:t>
-            </a:r>
-          </a:p>
-          <a:p>
-            <a:pPr lvl="1"/>
-            <a:endParaRPr lang="en-US" altLang="zh-HK" dirty="0" smtClean="0"/>
-          </a:p>
-        </p:txBody>
-      </p:sp>
-    </p:spTree>
-    <p:extLst>
-      <p:ext uri="{BB962C8B-B14F-4D97-AF65-F5344CB8AC3E}">
-        <p14:creationId xmlns:p14="http://schemas.microsoft.com/office/powerpoint/2010/main" val="3226193270"/>
-      </p:ext>
-    </p:extLst>
-  </p:cSld>
-  <p:clrMapOvr>
-    <a:masterClrMapping/>
-  </p:clrMapOvr>
-  <p:timing>
-    <p:tnLst>
-      <p:par>
-        <p:cTn xmlns:p14="http://schemas.microsoft.com/office/powerpoint/2010/main" id="1" dur="indefinite" restart="never" nodeType="tmRoot"/>
-      </p:par>
-    </p:tnLst>
-  </p:timing>
-</p:sld>
-</file>
-
-<file path=ppt/slides/slide20.xml><?xml version="1.0" encoding="utf-8"?>
+<file path=ppt/slides/slide19.xml><?xml version="1.0" encoding="utf-8"?>
 <p:sld xmlns:a="http://schemas.openxmlformats.org/drawingml/2006/main" xmlns:r="http://schemas.openxmlformats.org/officeDocument/2006/relationships" xmlns:p="http://schemas.openxmlformats.org/presentationml/2006/main">
   <p:cSld>
     <p:spTree>
@@ -10056,7 +9818,147 @@
 </p:sld>
 </file>
 
-<file path=ppt/slides/slide21.xml><?xml version="1.0" encoding="utf-8"?>
+<file path=ppt/slides/slide2.xml><?xml version="1.0" encoding="utf-8"?>
+<p:sld xmlns:a="http://schemas.openxmlformats.org/drawingml/2006/main" xmlns:r="http://schemas.openxmlformats.org/officeDocument/2006/relationships" xmlns:p="http://schemas.openxmlformats.org/presentationml/2006/main">
+  <p:cSld>
+    <p:spTree>
+      <p:nvGrpSpPr>
+        <p:cNvPr id="1" name=""/>
+        <p:cNvGrpSpPr/>
+        <p:nvPr/>
+      </p:nvGrpSpPr>
+      <p:grpSpPr>
+        <a:xfrm>
+          <a:off x="0" y="0"/>
+          <a:ext cx="0" cy="0"/>
+          <a:chOff x="0" y="0"/>
+          <a:chExt cx="0" cy="0"/>
+        </a:xfrm>
+      </p:grpSpPr>
+      <p:sp>
+        <p:nvSpPr>
+          <p:cNvPr id="2" name="Title 1"/>
+          <p:cNvSpPr>
+            <a:spLocks noGrp="1"/>
+          </p:cNvSpPr>
+          <p:nvPr>
+            <p:ph type="title"/>
+          </p:nvPr>
+        </p:nvSpPr>
+        <p:spPr/>
+        <p:txBody>
+          <a:bodyPr/>
+          <a:lstStyle/>
+          <a:p>
+            <a:r>
+              <a:rPr lang="en-US" altLang="zh-HK" dirty="0" smtClean="0"/>
+              <a:t>Project Background</a:t>
+            </a:r>
+            <a:endParaRPr lang="zh-HK" altLang="en-US" dirty="0"/>
+          </a:p>
+        </p:txBody>
+      </p:sp>
+      <p:sp>
+        <p:nvSpPr>
+          <p:cNvPr id="3" name="Content Placeholder 2"/>
+          <p:cNvSpPr>
+            <a:spLocks noGrp="1"/>
+          </p:cNvSpPr>
+          <p:nvPr>
+            <p:ph idx="1"/>
+          </p:nvPr>
+        </p:nvSpPr>
+        <p:spPr>
+          <a:xfrm>
+            <a:off x="1295401" y="2556932"/>
+            <a:ext cx="9601196" cy="3638128"/>
+          </a:xfrm>
+        </p:spPr>
+        <p:txBody>
+          <a:bodyPr>
+            <a:normAutofit lnSpcReduction="10000"/>
+          </a:bodyPr>
+          <a:lstStyle/>
+          <a:p>
+            <a:r>
+              <a:rPr lang="en-US" altLang="zh-HK" dirty="0" smtClean="0"/>
+              <a:t>Topic: Airline Ticket Ordering System</a:t>
+            </a:r>
+          </a:p>
+          <a:p>
+            <a:r>
+              <a:rPr lang="en-US" altLang="zh-HK" dirty="0" smtClean="0"/>
+              <a:t>Implementation:</a:t>
+            </a:r>
+          </a:p>
+          <a:p>
+            <a:pPr lvl="1"/>
+            <a:r>
+              <a:rPr lang="en-US" altLang="zh-HK" dirty="0" smtClean="0"/>
+              <a:t>To purchase the airline ticket</a:t>
+            </a:r>
+          </a:p>
+          <a:p>
+            <a:r>
+              <a:rPr lang="en-US" altLang="zh-HK" dirty="0" smtClean="0"/>
+              <a:t>Extension functions</a:t>
+            </a:r>
+          </a:p>
+          <a:p>
+            <a:pPr lvl="1"/>
+            <a:r>
+              <a:rPr lang="en-US" altLang="zh-HK" dirty="0" smtClean="0"/>
+              <a:t>Path finding for different routes of the flights</a:t>
+            </a:r>
+          </a:p>
+          <a:p>
+            <a:pPr lvl="1"/>
+            <a:r>
+              <a:rPr lang="en-US" altLang="zh-HK" dirty="0" smtClean="0"/>
+              <a:t>Flyer miles calculation</a:t>
+            </a:r>
+          </a:p>
+          <a:p>
+            <a:pPr lvl="1"/>
+            <a:r>
+              <a:rPr lang="en-US" altLang="zh-HK" dirty="0" smtClean="0"/>
+              <a:t>Additional baggage fees calculation</a:t>
+            </a:r>
+          </a:p>
+          <a:p>
+            <a:pPr lvl="1"/>
+            <a:r>
+              <a:rPr lang="en-US" altLang="zh-HK" dirty="0" smtClean="0"/>
+              <a:t>Credit card discount for different airline company</a:t>
+            </a:r>
+          </a:p>
+          <a:p>
+            <a:pPr lvl="1"/>
+            <a:endParaRPr lang="en-US" altLang="zh-HK" dirty="0" smtClean="0"/>
+          </a:p>
+        </p:txBody>
+      </p:sp>
+    </p:spTree>
+    <p:extLst>
+      <p:ext uri="{BB962C8B-B14F-4D97-AF65-F5344CB8AC3E}">
+        <p14:creationId xmlns:p14="http://schemas.microsoft.com/office/powerpoint/2010/main" val="3226193270"/>
+      </p:ext>
+    </p:extLst>
+  </p:cSld>
+  <p:clrMapOvr>
+    <a:masterClrMapping/>
+  </p:clrMapOvr>
+  <p:timing>
+    <p:tnLst>
+      <p:par>
+        <p:cTn xmlns:p14="http://schemas.microsoft.com/office/powerpoint/2010/main" id="1" dur="indefinite" restart="never" nodeType="tmRoot"/>
+      </p:par>
+    </p:tnLst>
+  </p:timing>
+</p:sld>
+</file>
+
+<file path=ppt/slides/slide20.xml><?xml version="1.0" encoding="utf-8"?>
 <p:sld xmlns:a="http://schemas.openxmlformats.org/drawingml/2006/main" xmlns:r="http://schemas.openxmlformats.org/officeDocument/2006/relationships" xmlns:p="http://schemas.openxmlformats.org/presentationml/2006/main">
   <p:cSld>
     <p:spTree>
@@ -11790,7 +11692,7 @@
   <a:extraClrSchemeLst/>
   <a:extLst>
     <a:ext uri="{05A4C25C-085E-4340-85A3-A5531E510DB2}">
-      <thm15:themeFamily xmlns="" xmlns:thm15="http://schemas.microsoft.com/office/thememl/2012/main" name="Organic" id="{28CDC826-8792-45C0-861B-85EB3ADEDA33}" vid="{7039A4B3-0617-4CFC-B614-27363ECC28AC}"/>
+      <thm15:themeFamily xmlns:thm15="http://schemas.microsoft.com/office/thememl/2012/main" xmlns="" name="Organic" id="{28CDC826-8792-45C0-861B-85EB3ADEDA33}" vid="{7039A4B3-0617-4CFC-B614-27363ECC28AC}"/>
     </a:ext>
   </a:extLst>
 </a:theme>

--- a/doc/PresentationPPT/PresentationPPT.pptx
+++ b/doc/PresentationPPT/PresentationPPT.pptx
@@ -25,8 +25,8 @@
     <p:sldId id="277" r:id="rId16"/>
     <p:sldId id="275" r:id="rId17"/>
     <p:sldId id="276" r:id="rId18"/>
-    <p:sldId id="268" r:id="rId19"/>
-    <p:sldId id="270" r:id="rId20"/>
+    <p:sldId id="270" r:id="rId19"/>
+    <p:sldId id="268" r:id="rId20"/>
     <p:sldId id="269" r:id="rId21"/>
   </p:sldIdLst>
   <p:sldSz cx="12192000" cy="6858000"/>
@@ -128,7 +128,7 @@
   </p:defaultTextStyle>
   <p:extLst>
     <p:ext uri="{EFAFB233-063F-42B5-8137-9DF3F51BA10A}">
-      <p15:sldGuideLst xmlns:p15="http://schemas.microsoft.com/office/powerpoint/2012/main" xmlns="">
+      <p15:sldGuideLst xmlns="" xmlns:p15="http://schemas.microsoft.com/office/powerpoint/2012/main">
         <p15:guide id="1" orient="horz" pos="2160">
           <p15:clr>
             <a:srgbClr val="A4A3A4"/>
@@ -9660,99 +9660,6 @@
             <p:ph type="title"/>
           </p:nvPr>
         </p:nvSpPr>
-        <p:spPr>
-          <a:xfrm>
-            <a:off x="1272825" y="451554"/>
-            <a:ext cx="9601196" cy="1303867"/>
-          </a:xfrm>
-        </p:spPr>
-        <p:txBody>
-          <a:bodyPr>
-            <a:normAutofit/>
-          </a:bodyPr>
-          <a:lstStyle/>
-          <a:p>
-            <a:r>
-              <a:rPr lang="en-US" altLang="zh-HK" dirty="0" smtClean="0"/>
-              <a:t>Sequence diagram</a:t>
-            </a:r>
-            <a:r>
-              <a:rPr lang="en-US" altLang="zh-HK" dirty="0"/>
-              <a:t> - Baggage Calculator</a:t>
-            </a:r>
-            <a:endParaRPr lang="zh-HK" altLang="en-US" dirty="0"/>
-          </a:p>
-        </p:txBody>
-      </p:sp>
-      <p:pic>
-        <p:nvPicPr>
-          <p:cNvPr id="4" name="內容版面配置區 3"/>
-          <p:cNvPicPr>
-            <a:picLocks noGrp="1" noChangeAspect="1"/>
-          </p:cNvPicPr>
-          <p:nvPr>
-            <p:ph idx="1"/>
-          </p:nvPr>
-        </p:nvPicPr>
-        <p:blipFill>
-          <a:blip r:embed="rId2">
-            <a:extLst>
-              <a:ext uri="{28A0092B-C50C-407E-A947-70E740481C1C}">
-                <a14:useLocalDpi xmlns:a14="http://schemas.microsoft.com/office/drawing/2010/main" val="0"/>
-              </a:ext>
-            </a:extLst>
-          </a:blip>
-          <a:stretch>
-            <a:fillRect/>
-          </a:stretch>
-        </p:blipFill>
-        <p:spPr>
-          <a:xfrm>
-            <a:off x="767613" y="1654354"/>
-            <a:ext cx="10442254" cy="4683756"/>
-          </a:xfrm>
-        </p:spPr>
-      </p:pic>
-    </p:spTree>
-    <p:extLst>
-      <p:ext uri="{BB962C8B-B14F-4D97-AF65-F5344CB8AC3E}">
-        <p14:creationId xmlns:p14="http://schemas.microsoft.com/office/powerpoint/2010/main" val="4279651162"/>
-      </p:ext>
-    </p:extLst>
-  </p:cSld>
-  <p:clrMapOvr>
-    <a:masterClrMapping/>
-  </p:clrMapOvr>
-</p:sld>
-</file>
-
-<file path=ppt/slides/slide19.xml><?xml version="1.0" encoding="utf-8"?>
-<p:sld xmlns:a="http://schemas.openxmlformats.org/drawingml/2006/main" xmlns:r="http://schemas.openxmlformats.org/officeDocument/2006/relationships" xmlns:p="http://schemas.openxmlformats.org/presentationml/2006/main">
-  <p:cSld>
-    <p:spTree>
-      <p:nvGrpSpPr>
-        <p:cNvPr id="1" name=""/>
-        <p:cNvGrpSpPr/>
-        <p:nvPr/>
-      </p:nvGrpSpPr>
-      <p:grpSpPr>
-        <a:xfrm>
-          <a:off x="0" y="0"/>
-          <a:ext cx="0" cy="0"/>
-          <a:chOff x="0" y="0"/>
-          <a:chExt cx="0" cy="0"/>
-        </a:xfrm>
-      </p:grpSpPr>
-      <p:sp>
-        <p:nvSpPr>
-          <p:cNvPr id="2" name="標題 1"/>
-          <p:cNvSpPr>
-            <a:spLocks noGrp="1"/>
-          </p:cNvSpPr>
-          <p:nvPr>
-            <p:ph type="title"/>
-          </p:nvPr>
-        </p:nvSpPr>
         <p:spPr/>
         <p:txBody>
           <a:bodyPr/>
@@ -9815,6 +9722,99 @@
       </p:par>
     </p:tnLst>
   </p:timing>
+</p:sld>
+</file>
+
+<file path=ppt/slides/slide19.xml><?xml version="1.0" encoding="utf-8"?>
+<p:sld xmlns:a="http://schemas.openxmlformats.org/drawingml/2006/main" xmlns:r="http://schemas.openxmlformats.org/officeDocument/2006/relationships" xmlns:p="http://schemas.openxmlformats.org/presentationml/2006/main">
+  <p:cSld>
+    <p:spTree>
+      <p:nvGrpSpPr>
+        <p:cNvPr id="1" name=""/>
+        <p:cNvGrpSpPr/>
+        <p:nvPr/>
+      </p:nvGrpSpPr>
+      <p:grpSpPr>
+        <a:xfrm>
+          <a:off x="0" y="0"/>
+          <a:ext cx="0" cy="0"/>
+          <a:chOff x="0" y="0"/>
+          <a:chExt cx="0" cy="0"/>
+        </a:xfrm>
+      </p:grpSpPr>
+      <p:sp>
+        <p:nvSpPr>
+          <p:cNvPr id="2" name="標題 1"/>
+          <p:cNvSpPr>
+            <a:spLocks noGrp="1"/>
+          </p:cNvSpPr>
+          <p:nvPr>
+            <p:ph type="title"/>
+          </p:nvPr>
+        </p:nvSpPr>
+        <p:spPr>
+          <a:xfrm>
+            <a:off x="1272825" y="451554"/>
+            <a:ext cx="9601196" cy="1303867"/>
+          </a:xfrm>
+        </p:spPr>
+        <p:txBody>
+          <a:bodyPr>
+            <a:normAutofit/>
+          </a:bodyPr>
+          <a:lstStyle/>
+          <a:p>
+            <a:r>
+              <a:rPr lang="en-US" altLang="zh-HK" dirty="0" smtClean="0"/>
+              <a:t>Sequence diagram</a:t>
+            </a:r>
+            <a:r>
+              <a:rPr lang="en-US" altLang="zh-HK" dirty="0"/>
+              <a:t> - Baggage Calculator</a:t>
+            </a:r>
+            <a:endParaRPr lang="zh-HK" altLang="en-US" dirty="0"/>
+          </a:p>
+        </p:txBody>
+      </p:sp>
+      <p:pic>
+        <p:nvPicPr>
+          <p:cNvPr id="4" name="內容版面配置區 3"/>
+          <p:cNvPicPr>
+            <a:picLocks noGrp="1" noChangeAspect="1"/>
+          </p:cNvPicPr>
+          <p:nvPr>
+            <p:ph idx="1"/>
+          </p:nvPr>
+        </p:nvPicPr>
+        <p:blipFill>
+          <a:blip r:embed="rId2">
+            <a:extLst>
+              <a:ext uri="{28A0092B-C50C-407E-A947-70E740481C1C}">
+                <a14:useLocalDpi xmlns:a14="http://schemas.microsoft.com/office/drawing/2010/main" val="0"/>
+              </a:ext>
+            </a:extLst>
+          </a:blip>
+          <a:stretch>
+            <a:fillRect/>
+          </a:stretch>
+        </p:blipFill>
+        <p:spPr>
+          <a:xfrm>
+            <a:off x="767613" y="1654354"/>
+            <a:ext cx="10442254" cy="4683756"/>
+          </a:xfrm>
+        </p:spPr>
+      </p:pic>
+    </p:spTree>
+    <p:extLst>
+      <p:ext uri="{BB962C8B-B14F-4D97-AF65-F5344CB8AC3E}">
+        <p14:creationId xmlns:p14="http://schemas.microsoft.com/office/powerpoint/2010/main" val="4279651162"/>
+      </p:ext>
+    </p:extLst>
+  </p:cSld>
+  <p:clrMapOvr>
+    <a:masterClrMapping/>
+  </p:clrMapOvr>
 </p:sld>
 </file>
 
@@ -11692,7 +11692,7 @@
   <a:extraClrSchemeLst/>
   <a:extLst>
     <a:ext uri="{05A4C25C-085E-4340-85A3-A5531E510DB2}">
-      <thm15:themeFamily xmlns:thm15="http://schemas.microsoft.com/office/thememl/2012/main" xmlns="" name="Organic" id="{28CDC826-8792-45C0-861B-85EB3ADEDA33}" vid="{7039A4B3-0617-4CFC-B614-27363ECC28AC}"/>
+      <thm15:themeFamily xmlns="" xmlns:thm15="http://schemas.microsoft.com/office/thememl/2012/main" name="Organic" id="{28CDC826-8792-45C0-861B-85EB3ADEDA33}" vid="{7039A4B3-0617-4CFC-B614-27363ECC28AC}"/>
     </a:ext>
   </a:extLst>
 </a:theme>
